--- a/P4A.pptx
+++ b/P4A.pptx
@@ -3595,7 +3595,7 @@
                 <a:ea typeface="Montserrat" charset="0"/>
                 <a:cs typeface="Montserrat" charset="0"/>
               </a:rPr>
-              <a:t>Dificulade</a:t>
+              <a:t>Dificuldade</a:t>
             </a:r>
             <a:endParaRPr lang="en-US" sz="6000" dirty="0">
               <a:solidFill>
@@ -3659,7 +3659,7 @@
         </p:blipFill>
         <p:spPr>
           <a:xfrm>
-            <a:off x="4758314" y="342725"/>
+            <a:off x="4160717" y="342725"/>
             <a:ext cx="6385808" cy="6385808"/>
           </a:xfrm>
           <a:prstGeom prst="rect">
@@ -3835,7 +3835,7 @@
       </p:pic>
       <p:pic>
         <p:nvPicPr>
-          <p:cNvPr id="2" name="Picture 1"/>
+          <p:cNvPr id="3" name="Picture 2"/>
           <p:cNvPicPr>
             <a:picLocks noChangeAspect="1"/>
           </p:cNvPicPr>
@@ -3855,8 +3855,68 @@
         </p:blipFill>
         <p:spPr>
           <a:xfrm>
-            <a:off x="2504827" y="63994"/>
-            <a:ext cx="9144000" cy="6858000"/>
+            <a:off x="3674452" y="1730474"/>
+            <a:ext cx="3402374" cy="1054736"/>
+          </a:xfrm>
+          <a:prstGeom prst="rect">
+            <a:avLst/>
+          </a:prstGeom>
+        </p:spPr>
+      </p:pic>
+      <p:pic>
+        <p:nvPicPr>
+          <p:cNvPr id="4" name="Picture 3"/>
+          <p:cNvPicPr>
+            <a:picLocks noChangeAspect="1"/>
+          </p:cNvPicPr>
+          <p:nvPr/>
+        </p:nvPicPr>
+        <p:blipFill>
+          <a:blip r:embed="rId6">
+            <a:extLst>
+              <a:ext uri="{28A0092B-C50C-407E-A947-70E740481C1C}">
+                <a14:useLocalDpi xmlns:a14="http://schemas.microsoft.com/office/drawing/2010/main" val="0"/>
+              </a:ext>
+            </a:extLst>
+          </a:blip>
+          <a:stretch>
+            <a:fillRect/>
+          </a:stretch>
+        </p:blipFill>
+        <p:spPr>
+          <a:xfrm>
+            <a:off x="3066731" y="3695779"/>
+            <a:ext cx="5675086" cy="2372144"/>
+          </a:xfrm>
+          <a:prstGeom prst="rect">
+            <a:avLst/>
+          </a:prstGeom>
+        </p:spPr>
+      </p:pic>
+      <p:pic>
+        <p:nvPicPr>
+          <p:cNvPr id="5" name="Picture 4"/>
+          <p:cNvPicPr>
+            <a:picLocks noChangeAspect="1"/>
+          </p:cNvPicPr>
+          <p:nvPr/>
+        </p:nvPicPr>
+        <p:blipFill>
+          <a:blip r:embed="rId7">
+            <a:extLst>
+              <a:ext uri="{28A0092B-C50C-407E-A947-70E740481C1C}">
+                <a14:useLocalDpi xmlns:a14="http://schemas.microsoft.com/office/drawing/2010/main" val="0"/>
+              </a:ext>
+            </a:extLst>
+          </a:blip>
+          <a:stretch>
+            <a:fillRect/>
+          </a:stretch>
+        </p:blipFill>
+        <p:spPr>
+          <a:xfrm>
+            <a:off x="7720058" y="1730474"/>
+            <a:ext cx="2043518" cy="1741433"/>
           </a:xfrm>
           <a:prstGeom prst="rect">
             <a:avLst/>
